--- a/Parsing JSON.pptx
+++ b/Parsing JSON.pptx
@@ -235,7 +235,7 @@
           <a:p>
             <a:fld id="{80680FBE-A8DF-4758-9AC4-3A9E1039168F}" type="datetimeFigureOut">
               <a:rPr lang="en-US" smtClean="0"/>
-              <a:t>10/19/2020</a:t>
+              <a:t>1/21/2022</a:t>
             </a:fld>
             <a:endParaRPr lang="en-US" dirty="0"/>
           </a:p>
@@ -400,7 +400,7 @@
           <a:p>
             <a:fld id="{EC13577B-6902-467D-A26C-08A0DD5E4E03}" type="datetimeFigureOut">
               <a:rPr lang="en-US" smtClean="0"/>
-              <a:t>10/19/2020</a:t>
+              <a:t>1/21/2022</a:t>
             </a:fld>
             <a:endParaRPr lang="en-US" dirty="0"/>
           </a:p>
@@ -1106,7 +1106,7 @@
             <a:fld id="{8BEEBAAA-29B5-4AF5-BC5F-7E580C29002D}" type="datetimeFigureOut">
               <a:rPr lang="en-US" smtClean="0"/>
               <a:pPr/>
-              <a:t>10/19/2020</a:t>
+              <a:t>1/21/2022</a:t>
             </a:fld>
             <a:endParaRPr lang="en-US" dirty="0"/>
           </a:p>
@@ -1732,7 +1732,7 @@
             <a:fld id="{8BEEBAAA-29B5-4AF5-BC5F-7E580C29002D}" type="datetimeFigureOut">
               <a:rPr lang="en-US" smtClean="0"/>
               <a:pPr/>
-              <a:t>10/19/2020</a:t>
+              <a:t>1/21/2022</a:t>
             </a:fld>
             <a:endParaRPr lang="en-US" dirty="0"/>
           </a:p>
@@ -2548,7 +2548,20 @@
                 <a:latin typeface="Segoe UI" panose="020B0502040204020203" pitchFamily="34" charset="0"/>
                 <a:cs typeface="Segoe UI" panose="020B0502040204020203" pitchFamily="34" charset="0"/>
               </a:rPr>
-              <a:t>Determine what the incoming doc looks like by getting a sample. Any sample provided, needs to be exactly like the incoming document will be</a:t>
+              <a:t>Determine what the incoming doc looks like by getting a sample. Any sample provided, needs to be exactly like the incoming document </a:t>
+            </a:r>
+            <a:r>
+              <a:rPr lang="en-US" sz="1100">
+                <a:solidFill>
+                  <a:prstClr val="black">
+                    <a:lumMod val="75000"/>
+                    <a:lumOff val="25000"/>
+                  </a:prstClr>
+                </a:solidFill>
+                <a:latin typeface="Segoe UI" panose="020B0502040204020203" pitchFamily="34" charset="0"/>
+                <a:cs typeface="Segoe UI" panose="020B0502040204020203" pitchFamily="34" charset="0"/>
+              </a:rPr>
+              <a:t>will be - 21</a:t>
             </a:r>
             <a:endParaRPr lang="en-US" sz="1100" dirty="0">
               <a:solidFill>
@@ -2671,7 +2684,7 @@
         </p:nvSpPr>
         <p:spPr>
           <a:xfrm>
-            <a:off x="1056513" y="2007237"/>
+            <a:off x="1073122" y="1973411"/>
             <a:ext cx="4504252" cy="820391"/>
           </a:xfrm>
           <a:prstGeom prst="rect">
@@ -6085,4 +6098,10 @@
     <ds:schemaRef ds:uri="http://schemas.microsoft.com/internal/obd"/>
   </ds:schemaRefs>
 </ds:datastoreItem>
+</file>
+
+<file path=docMetadata/LabelInfo.xml><?xml version="1.0" encoding="utf-8"?>
+<clbl:labelList xmlns:clbl="http://schemas.microsoft.com/office/2020/mipLabelMetadata">
+  <clbl:label id="{f42aa342-8706-4288-bd11-ebb85995028c}" enabled="1" method="Standard" siteId="{72f988bf-86f1-41af-91ab-2d7cd011db47}" contentBits="0" removed="0"/>
+</clbl:labelList>
 </file>
--- a/Parsing JSON.pptx
+++ b/Parsing JSON.pptx
@@ -2561,7 +2561,7 @@
                 <a:latin typeface="Segoe UI" panose="020B0502040204020203" pitchFamily="34" charset="0"/>
                 <a:cs typeface="Segoe UI" panose="020B0502040204020203" pitchFamily="34" charset="0"/>
               </a:rPr>
-              <a:t>will be - 21</a:t>
+              <a:t>will be - 212</a:t>
             </a:r>
             <a:endParaRPr lang="en-US" sz="1100" dirty="0">
               <a:solidFill>
@@ -5825,21 +5825,21 @@
 </file>
 
 <file path=customXml/item1.xml><?xml version="1.0" encoding="utf-8"?>
+<p:properties xmlns:p="http://schemas.microsoft.com/office/2006/metadata/properties" xmlns:xsi="http://www.w3.org/2001/XMLSchema-instance" xmlns:pc="http://schemas.microsoft.com/office/infopath/2007/PartnerControls">
+  <documentManagement>
+    <Status xmlns="71af3243-3dd4-4a8d-8c0d-dd76da1f02a5">Not started</Status>
+    <MediaServiceKeyPoints xmlns="71af3243-3dd4-4a8d-8c0d-dd76da1f02a5" xsi:nil="true"/>
+  </documentManagement>
+</p:properties>
+</file>
+
+<file path=customXml/item2.xml><?xml version="1.0" encoding="utf-8"?>
 <?mso-contentType ?>
 <FormTemplates xmlns="http://schemas.microsoft.com/sharepoint/v3/contenttype/forms">
   <Display>DocumentLibraryForm</Display>
   <Edit>DocumentLibraryForm</Edit>
   <New>DocumentLibraryForm</New>
 </FormTemplates>
-</file>
-
-<file path=customXml/item2.xml><?xml version="1.0" encoding="utf-8"?>
-<p:properties xmlns:p="http://schemas.microsoft.com/office/2006/metadata/properties" xmlns:xsi="http://www.w3.org/2001/XMLSchema-instance" xmlns:pc="http://schemas.microsoft.com/office/infopath/2007/PartnerControls">
-  <documentManagement>
-    <Status xmlns="71af3243-3dd4-4a8d-8c0d-dd76da1f02a5">Not started</Status>
-    <MediaServiceKeyPoints xmlns="71af3243-3dd4-4a8d-8c0d-dd76da1f02a5" xsi:nil="true"/>
-  </documentManagement>
-</p:properties>
 </file>
 
 <file path=customXml/item3.xml><?xml version="1.0" encoding="utf-8"?>
@@ -6064,19 +6064,19 @@
 </file>
 
 <file path=customXml/itemProps1.xml><?xml version="1.0" encoding="utf-8"?>
-<ds:datastoreItem xmlns:ds="http://schemas.openxmlformats.org/officeDocument/2006/customXml" ds:itemID="{7EE8C63A-4744-4DE4-BB49-0FF0B5375C60}">
+<ds:datastoreItem xmlns:ds="http://schemas.openxmlformats.org/officeDocument/2006/customXml" ds:itemID="{950072C5-DDE0-4258-BA7A-4D4B80DFA632}">
   <ds:schemaRefs>
-    <ds:schemaRef ds:uri="http://schemas.microsoft.com/sharepoint/v3/contenttype/forms"/>
+    <ds:schemaRef ds:uri="http://schemas.microsoft.com/office/2006/metadata/properties"/>
+    <ds:schemaRef ds:uri="http://schemas.microsoft.com/office/infopath/2007/PartnerControls"/>
+    <ds:schemaRef ds:uri="71af3243-3dd4-4a8d-8c0d-dd76da1f02a5"/>
   </ds:schemaRefs>
 </ds:datastoreItem>
 </file>
 
 <file path=customXml/itemProps2.xml><?xml version="1.0" encoding="utf-8"?>
-<ds:datastoreItem xmlns:ds="http://schemas.openxmlformats.org/officeDocument/2006/customXml" ds:itemID="{950072C5-DDE0-4258-BA7A-4D4B80DFA632}">
+<ds:datastoreItem xmlns:ds="http://schemas.openxmlformats.org/officeDocument/2006/customXml" ds:itemID="{7EE8C63A-4744-4DE4-BB49-0FF0B5375C60}">
   <ds:schemaRefs>
-    <ds:schemaRef ds:uri="http://schemas.microsoft.com/office/2006/metadata/properties"/>
-    <ds:schemaRef ds:uri="http://schemas.microsoft.com/office/infopath/2007/PartnerControls"/>
-    <ds:schemaRef ds:uri="71af3243-3dd4-4a8d-8c0d-dd76da1f02a5"/>
+    <ds:schemaRef ds:uri="http://schemas.microsoft.com/sharepoint/v3/contenttype/forms"/>
   </ds:schemaRefs>
 </ds:datastoreItem>
 </file>
